--- a/InfoSec/PPTs/L4-CH04-Access Control.pptx
+++ b/InfoSec/PPTs/L4-CH04-Access Control.pptx
@@ -351,7 +351,7 @@
             <a:fld id="{999DDEF9-8F79-3F4A-8C1A-CB2E900DCD92}" type="datetimeFigureOut">
               <a:rPr lang="en-US" smtClean="0"/>
               <a:pPr/>
-              <a:t>4/21/2020</a:t>
+              <a:t>4/23/2020</a:t>
             </a:fld>
             <a:endParaRPr lang="en-US"/>
           </a:p>
@@ -2068,6 +2068,10 @@
             <a:endParaRPr lang="en-US" dirty="0"/>
           </a:p>
           <a:p>
+            <a:r>
+              <a:rPr lang="en-US" dirty="0"/>
+              <a:t> (if its owner is already root, then this command has no effect)</a:t>
+            </a:r>
             <a:endParaRPr lang="en-SE" dirty="0"/>
           </a:p>
         </p:txBody>
@@ -13146,7 +13150,7 @@
           <a:graphicData uri="http://schemas.openxmlformats.org/presentationml/2006/ole">
             <mc:AlternateContent xmlns:mc="http://schemas.openxmlformats.org/markup-compatibility/2006">
               <mc:Choice xmlns:v="urn:schemas-microsoft-com:vml" Requires="v">
-                <p:oleObj spid="_x0000_s1031" name="Document" r:id="rId4" imgW="6083076" imgH="4990916" progId="Word.Document.12">
+                <p:oleObj spid="_x0000_s1033" name="Document" r:id="rId4" imgW="6083076" imgH="4990916" progId="Word.Document.12">
                   <p:embed/>
                 </p:oleObj>
               </mc:Choice>
@@ -17302,25 +17306,25 @@
         </p:nvSpPr>
         <p:spPr>
           <a:xfrm>
-            <a:off x="323528" y="1196753"/>
-            <a:ext cx="8568952" cy="2376263"/>
+            <a:off x="323528" y="1057002"/>
+            <a:ext cx="8568952" cy="2732038"/>
           </a:xfrm>
         </p:spPr>
         <p:txBody>
           <a:bodyPr>
-            <a:normAutofit fontScale="77500" lnSpcReduction="20000"/>
+            <a:normAutofit fontScale="55000" lnSpcReduction="20000"/>
           </a:bodyPr>
           <a:lstStyle/>
           <a:p>
             <a:r>
               <a:rPr lang="en-US" dirty="0"/>
-              <a:t>12 permission bits</a:t>
-            </a:r>
-          </a:p>
-          <a:p>
-            <a:r>
-              <a:rPr lang="en-US" dirty="0"/>
-              <a:t>9 bits specify read, write, and execute permission for user (file  owner), group, and all other users</a:t>
+              <a:t>Each UNIX user is assigned a unique user ID. A user is also a member of a primary group, and possibly a number of other groups, each identified by a group ID. When a file is created, its owner is user ID of its creator, and its group ID is its creator’s primary group. </a:t>
+            </a:r>
+          </a:p>
+          <a:p>
+            <a:r>
+              <a:rPr lang="en-US" dirty="0"/>
+              <a:t>12 permission bits; 9 bits specify read, write, and execute permission for user (owner), group, and all other users</a:t>
             </a:r>
           </a:p>
           <a:p>
@@ -17637,7 +17641,7 @@
             </a:r>
             <a:r>
               <a:rPr lang="en-US" dirty="0"/>
-              <a:t> root passwd” sets owner of file “passwd” to root (if its owner is already root, then this command has no effect)</a:t>
+              <a:t> root passwd” sets owner of file “passwd” to root, which has user ID of 0.</a:t>
             </a:r>
           </a:p>
           <a:p>

--- a/InfoSec/PPTs/L4-CH04-Access Control.pptx
+++ b/InfoSec/PPTs/L4-CH04-Access Control.pptx
@@ -2187,6 +2187,53 @@
         <p:txBody>
           <a:bodyPr/>
           <a:lstStyle/>
+          <a:p>
+            <a:pPr lvl="0" rtl="0"/>
+            <a:r>
+              <a:rPr lang="en-US" dirty="0"/>
+              <a:t>When a process requests access to a file system object two steps are performed:</a:t>
+            </a:r>
+          </a:p>
+          <a:p>
+            <a:pPr lvl="1" rtl="0"/>
+            <a:r>
+              <a:rPr lang="en-US" dirty="0"/>
+              <a:t>Step 1 selects the most appropriate ACL</a:t>
+            </a:r>
+          </a:p>
+          <a:p>
+            <a:pPr lvl="1" rtl="0"/>
+            <a:r>
+              <a:rPr lang="en-US" dirty="0"/>
+              <a:t>Step 2 checks if the matching entry contains sufficient permissions</a:t>
+            </a:r>
+          </a:p>
+          <a:p>
+            <a:pPr marL="0" marR="0" lvl="0" indent="0" algn="l" defTabSz="914400" rtl="0" eaLnBrk="1" fontAlgn="base" latinLnBrk="0" hangingPunct="1">
+              <a:lnSpc>
+                <a:spcPct val="100000"/>
+              </a:lnSpc>
+              <a:spcBef>
+                <a:spcPct val="30000"/>
+              </a:spcBef>
+              <a:spcAft>
+                <a:spcPct val="0"/>
+              </a:spcAft>
+              <a:buClrTx/>
+              <a:buSzTx/>
+              <a:buFontTx/>
+              <a:buNone/>
+              <a:tabLst/>
+              <a:defRPr/>
+            </a:pPr>
+            <a:r>
+              <a:rPr lang="en-US" dirty="0"/>
+              <a:t>Assigns a list of UNIX user IDs and groups to a file</a:t>
+            </a:r>
+          </a:p>
+          <a:p>
+            <a:endParaRPr lang="en-US" altLang="zh-CN" dirty="0"/>
+          </a:p>
           <a:p>
             <a:r>
               <a:rPr lang="en-US" altLang="zh-CN" dirty="0"/>
@@ -13150,7 +13197,7 @@
           <a:graphicData uri="http://schemas.openxmlformats.org/presentationml/2006/ole">
             <mc:AlternateContent xmlns:mc="http://schemas.openxmlformats.org/markup-compatibility/2006">
               <mc:Choice xmlns:v="urn:schemas-microsoft-com:vml" Requires="v">
-                <p:oleObj spid="_x0000_s1033" name="Document" r:id="rId4" imgW="6083076" imgH="4990916" progId="Word.Document.12">
+                <p:oleObj spid="_x0000_s1035" name="Document" r:id="rId4" imgW="6083076" imgH="4990916" progId="Word.Document.12">
                   <p:embed/>
                 </p:oleObj>
               </mc:Choice>
@@ -18219,8 +18266,8 @@
         </p:nvSpPr>
         <p:spPr>
           <a:xfrm>
-            <a:off x="-108520" y="188640"/>
-            <a:ext cx="9252520" cy="868362"/>
+            <a:off x="-324544" y="188640"/>
+            <a:ext cx="9793088" cy="868362"/>
           </a:xfrm>
         </p:spPr>
         <p:txBody>
@@ -18316,50 +18363,63 @@
             <p:ph idx="1"/>
           </p:nvPr>
         </p:nvSpPr>
-        <p:spPr/>
+        <p:spPr>
+          <a:xfrm>
+            <a:off x="76200" y="1196752"/>
+            <a:ext cx="4495800" cy="5832648"/>
+          </a:xfrm>
+        </p:spPr>
         <p:txBody>
           <a:bodyPr>
-            <a:normAutofit fontScale="77500" lnSpcReduction="20000"/>
+            <a:normAutofit fontScale="70000" lnSpcReduction="20000"/>
           </a:bodyPr>
           <a:lstStyle/>
           <a:p>
             <a:pPr lvl="0" rtl="0"/>
             <a:r>
               <a:rPr lang="en-US" dirty="0"/>
-              <a:t>Modern UNIX systems support ACLs, more expressive than permission bits</a:t>
-            </a:r>
-          </a:p>
-          <a:p>
-            <a:pPr lvl="1" rtl="0"/>
-            <a:r>
-              <a:rPr lang="en-US" dirty="0"/>
-              <a:t>FreeBSD, </a:t>
+              <a:t>Modern UNIX systems support ACL, called “</a:t>
             </a:r>
             <a:r>
               <a:rPr lang="en-US" dirty="0" err="1"/>
-              <a:t>OpenBSD</a:t>
-            </a:r>
-            <a:r>
-              <a:rPr lang="en-US" dirty="0"/>
-              <a:t>, Linux, Solaris</a:t>
-            </a:r>
-          </a:p>
-          <a:p>
-            <a:pPr lvl="0" rtl="0"/>
+              <a:t>facl</a:t>
+            </a:r>
+            <a:r>
+              <a:rPr lang="en-US" dirty="0"/>
+              <a:t> (full access control list)”, which is more expressive than permission bits.</a:t>
+            </a:r>
+          </a:p>
+          <a:p>
+            <a:r>
+              <a:rPr lang="en-US" dirty="0"/>
+              <a:t>“</a:t>
+            </a:r>
             <a:r>
               <a:rPr lang="en-US" dirty="0" err="1"/>
-              <a:t>Setfacl</a:t>
-            </a:r>
-            <a:r>
-              <a:rPr lang="en-US" dirty="0"/>
-              <a:t> (set file access control list)</a:t>
-            </a:r>
-          </a:p>
-          <a:p>
-            <a:pPr lvl="1" rtl="0"/>
-            <a:r>
-              <a:rPr lang="en-US" dirty="0"/>
-              <a:t>The </a:t>
+              <a:t>getfacl</a:t>
+            </a:r>
+            <a:r>
+              <a:rPr lang="en-US" dirty="0"/>
+              <a:t> file1”</a:t>
+            </a:r>
+          </a:p>
+          <a:p>
+            <a:pPr lvl="1"/>
+            <a:r>
+              <a:rPr lang="en-US" dirty="0"/>
+              <a:t>Display file1’s </a:t>
+            </a:r>
+            <a:r>
+              <a:rPr lang="en-US" dirty="0" err="1"/>
+              <a:t>facl</a:t>
+            </a:r>
+            <a:endParaRPr lang="en-US" dirty="0"/>
+          </a:p>
+          <a:p>
+            <a:pPr lvl="0"/>
+            <a:r>
+              <a:rPr lang="en-US" dirty="0"/>
+              <a:t>“</a:t>
             </a:r>
             <a:r>
               <a:rPr lang="en-US" dirty="0" err="1"/>
@@ -18367,39 +18427,80 @@
             </a:r>
             <a:r>
               <a:rPr lang="en-US" dirty="0"/>
-              <a:t> command assigns a list of UNIX user IDs and groups to a file</a:t>
+              <a:t> –m </a:t>
+            </a:r>
+            <a:r>
+              <a:rPr lang="en-US" dirty="0" err="1"/>
+              <a:t>user:bob:r</a:t>
+            </a:r>
+            <a:r>
+              <a:rPr lang="en-US" dirty="0"/>
+              <a:t> file1”</a:t>
+            </a:r>
+          </a:p>
+          <a:p>
+            <a:pPr lvl="1"/>
+            <a:r>
+              <a:rPr lang="en-US" dirty="0"/>
+              <a:t>Grant </a:t>
+            </a:r>
+            <a:r>
+              <a:rPr lang="en-US" dirty="0" err="1"/>
+              <a:t>user:bob</a:t>
+            </a:r>
+            <a:r>
+              <a:rPr lang="en-US" dirty="0"/>
+              <a:t> read permission to file1.</a:t>
             </a:r>
           </a:p>
           <a:p>
             <a:pPr lvl="1" rtl="0"/>
             <a:r>
               <a:rPr lang="en-US" dirty="0"/>
-              <a:t>Any number of users and groups can be associated with a file, each with three protection bits (read, write, execute)</a:t>
-            </a:r>
-          </a:p>
-          <a:p>
-            <a:pPr lvl="0" rtl="0"/>
-            <a:r>
-              <a:rPr lang="en-US" dirty="0"/>
-              <a:t>When a process requests access to a file system object two steps are performed:</a:t>
-            </a:r>
-          </a:p>
-          <a:p>
-            <a:pPr lvl="1" rtl="0"/>
-            <a:r>
-              <a:rPr lang="en-US" dirty="0"/>
-              <a:t>Step 1 selects the most appropriate ACL</a:t>
-            </a:r>
-          </a:p>
-          <a:p>
-            <a:pPr lvl="1" rtl="0"/>
-            <a:r>
-              <a:rPr lang="en-US" dirty="0"/>
-              <a:t>Step 2 checks if the matching entry contains sufficient permissions</a:t>
-            </a:r>
+              <a:t>Can associate any number of users or groups with a file, each with 3 protection bits (</a:t>
+            </a:r>
+            <a:r>
+              <a:rPr lang="en-US" dirty="0" err="1"/>
+              <a:t>rwx</a:t>
+            </a:r>
+            <a:r>
+              <a:rPr lang="en-US"/>
+              <a:t>).</a:t>
+            </a:r>
+            <a:endParaRPr lang="en-US" dirty="0"/>
           </a:p>
         </p:txBody>
       </p:sp>
+      <p:pic>
+        <p:nvPicPr>
+          <p:cNvPr id="4" name="Picture 3">
+            <a:extLst>
+              <a:ext uri="{FF2B5EF4-FFF2-40B4-BE49-F238E27FC236}">
+                <a16:creationId xmlns:a16="http://schemas.microsoft.com/office/drawing/2014/main" id="{03D464D6-740C-4F05-A1E5-F214EDFEB1B1}"/>
+              </a:ext>
+            </a:extLst>
+          </p:cNvPr>
+          <p:cNvPicPr>
+            <a:picLocks noChangeAspect="1"/>
+          </p:cNvPicPr>
+          <p:nvPr/>
+        </p:nvPicPr>
+        <p:blipFill>
+          <a:blip r:embed="rId3"/>
+          <a:stretch>
+            <a:fillRect/>
+          </a:stretch>
+        </p:blipFill>
+        <p:spPr>
+          <a:xfrm>
+            <a:off x="4457057" y="1700808"/>
+            <a:ext cx="4610743" cy="4572638"/>
+          </a:xfrm>
+          <a:prstGeom prst="rect">
+            <a:avLst/>
+          </a:prstGeom>
+        </p:spPr>
+      </p:pic>
     </p:spTree>
   </p:cSld>
   <p:clrMapOvr>

--- a/InfoSec/PPTs/L4-CH04-Access Control.pptx
+++ b/InfoSec/PPTs/L4-CH04-Access Control.pptx
@@ -13197,7 +13197,7 @@
           <a:graphicData uri="http://schemas.openxmlformats.org/presentationml/2006/ole">
             <mc:AlternateContent xmlns:mc="http://schemas.openxmlformats.org/markup-compatibility/2006">
               <mc:Choice xmlns:v="urn:schemas-microsoft-com:vml" Requires="v">
-                <p:oleObj spid="_x0000_s1035" name="Document" r:id="rId4" imgW="6083076" imgH="4990916" progId="Word.Document.12">
+                <p:oleObj spid="_x0000_s1038" name="Document" r:id="rId4" imgW="6083076" imgH="4990916" progId="Word.Document.12">
                   <p:embed/>
                 </p:oleObj>
               </mc:Choice>
@@ -17354,7 +17354,7 @@
         <p:spPr>
           <a:xfrm>
             <a:off x="323528" y="1057002"/>
-            <a:ext cx="8568952" cy="2732038"/>
+            <a:ext cx="8568952" cy="3032582"/>
           </a:xfrm>
         </p:spPr>
         <p:txBody>
@@ -17365,7 +17365,7 @@
           <a:p>
             <a:r>
               <a:rPr lang="en-US" dirty="0"/>
-              <a:t>Each UNIX user is assigned a unique user ID. A user is also a member of a primary group, and possibly a number of other groups, each identified by a group ID. When a file is created, its owner is user ID of its creator, and its group ID is its creator’s primary group. </a:t>
+              <a:t>Each UNIX user is assigned a unique user ID (root has ID 0). A user is also a member of a primary group, and possibly a number of other groups, each identified by a group ID. When a file is created, its owner is user ID of its creator, and its group ID is its creator’s primary group. </a:t>
             </a:r>
           </a:p>
           <a:p>
@@ -17378,7 +17378,7 @@
             <a:pPr lvl="1"/>
             <a:r>
               <a:rPr lang="en-US" dirty="0"/>
-              <a:t>The command “</a:t>
+              <a:t>Command “</a:t>
             </a:r>
             <a:r>
               <a:rPr lang="en-US" dirty="0" err="1"/>
@@ -17394,6 +17394,21 @@
             <a:r>
               <a:rPr lang="en-US" dirty="0"/>
               <a:t>Decimal number 640 is 110 100 000 in binary</a:t>
+            </a:r>
+          </a:p>
+          <a:p>
+            <a:pPr lvl="1"/>
+            <a:r>
+              <a:rPr lang="en-US" dirty="0"/>
+              <a:t>Command “</a:t>
+            </a:r>
+            <a:r>
+              <a:rPr lang="en-US" dirty="0" err="1"/>
+              <a:t>chown</a:t>
+            </a:r>
+            <a:r>
+              <a:rPr lang="en-US" dirty="0"/>
+              <a:t> root passwd” sets owner of file “passwd” to root.</a:t>
             </a:r>
           </a:p>
           <a:p>
@@ -17461,8 +17476,8 @@
         </p:blipFill>
         <p:spPr>
           <a:xfrm>
-            <a:off x="2376181" y="3510864"/>
-            <a:ext cx="4391638" cy="3277057"/>
+            <a:off x="4738381" y="4010512"/>
+            <a:ext cx="3722051" cy="2777409"/>
           </a:xfrm>
           <a:prstGeom prst="rect">
             <a:avLst/>
@@ -17568,7 +17583,7 @@
         </p:spPr>
         <p:txBody>
           <a:bodyPr>
-            <a:normAutofit fontScale="70000" lnSpcReduction="20000"/>
+            <a:normAutofit fontScale="77500" lnSpcReduction="20000"/>
           </a:bodyPr>
           <a:lstStyle/>
           <a:p>
@@ -17601,10 +17616,10 @@
             </a:r>
           </a:p>
           <a:p>
-            <a:pPr lvl="2"/>
-            <a:r>
-              <a:rPr lang="en-US" dirty="0"/>
-              <a:t>e.g.,  the “passwd” program has “admin” as its owner, and its </a:t>
+            <a:pPr lvl="1"/>
+            <a:r>
+              <a:rPr lang="en-US" dirty="0"/>
+              <a:t>e.g.,  the “passwd” program has root as its owner, and its </a:t>
             </a:r>
             <a:r>
               <a:rPr lang="en-US" dirty="0" err="1"/>
@@ -17612,7 +17627,7 @@
             </a:r>
             <a:r>
               <a:rPr lang="en-US" dirty="0"/>
-              <a:t> bit is set. Therefore, any user can execute the “passwd” program and change his own password by modifying the “password” file, since its permissions are temporarily raised to those of “admin” while executing the “passwd” program</a:t>
+              <a:t> bit is set. Therefore, any user can execute the “passwd” program and change his own password by modifying the “password” file, since its permissions are temporarily raised to those of root while executing the “passwd” program</a:t>
             </a:r>
           </a:p>
           <a:p>
@@ -17674,21 +17689,6 @@
             <a:r>
               <a:rPr lang="en-US" dirty="0"/>
               <a:t>=1</a:t>
-            </a:r>
-          </a:p>
-          <a:p>
-            <a:pPr lvl="1"/>
-            <a:r>
-              <a:rPr lang="en-US" dirty="0"/>
-              <a:t>The command “</a:t>
-            </a:r>
-            <a:r>
-              <a:rPr lang="en-US" dirty="0" err="1"/>
-              <a:t>chown</a:t>
-            </a:r>
-            <a:r>
-              <a:rPr lang="en-US" dirty="0"/>
-              <a:t> root passwd” sets owner of file “passwd” to root, which has user ID of 0.</a:t>
             </a:r>
           </a:p>
           <a:p>

--- a/InfoSec/PPTs/L4-CH04-Access Control.pptx
+++ b/InfoSec/PPTs/L4-CH04-Access Control.pptx
@@ -349,7 +349,7 @@
             <a:fld id="{999DDEF9-8F79-3F4A-8C1A-CB2E900DCD92}" type="datetimeFigureOut">
               <a:rPr lang="en-US" smtClean="0"/>
               <a:pPr/>
-              <a:t>4/26/2020</a:t>
+              <a:t>4/28/2020</a:t>
             </a:fld>
             <a:endParaRPr lang="en-US"/>
           </a:p>
@@ -12840,7 +12840,7 @@
           <a:graphicData uri="http://schemas.openxmlformats.org/presentationml/2006/ole">
             <mc:AlternateContent xmlns:mc="http://schemas.openxmlformats.org/markup-compatibility/2006">
               <mc:Choice xmlns:v="urn:schemas-microsoft-com:vml" Requires="v">
-                <p:oleObj spid="_x0000_s1039" name="Document" r:id="rId4" imgW="6083076" imgH="4990916" progId="Word.Document.12">
+                <p:oleObj spid="_x0000_s1042" name="Document" r:id="rId4" imgW="6083076" imgH="4990916" progId="Word.Document.12">
                   <p:embed/>
                 </p:oleObj>
               </mc:Choice>
@@ -16996,8 +16996,8 @@
         </p:nvSpPr>
         <p:spPr>
           <a:xfrm>
-            <a:off x="323528" y="1057002"/>
-            <a:ext cx="8568952" cy="3032582"/>
+            <a:off x="323528" y="919166"/>
+            <a:ext cx="8568952" cy="3445938"/>
           </a:xfrm>
         </p:spPr>
         <p:txBody>
@@ -17008,7 +17008,22 @@
           <a:p>
             <a:r>
               <a:rPr lang="en-US" dirty="0"/>
-              <a:t>Each UNIX user is assigned a unique user ID (root has ID 0). A user is also a member of a primary group, and possibly a number of other groups, each identified by a group ID. When a file is created, its owner is user ID of its creator, and its group ID is its creator’s primary group. </a:t>
+              <a:t>Each UNIX user is assigned a unique user ID (root has ID 0). A user is also a member of a primary group, and possibly a number of other groups, each identified by a group ID. When a file is created, its owner is user ID of its creator, and its group ID is its creator’s primary group, but they can be changed later. </a:t>
+            </a:r>
+          </a:p>
+          <a:p>
+            <a:pPr lvl="1"/>
+            <a:r>
+              <a:rPr lang="en-US" dirty="0"/>
+              <a:t>e.g., Command “</a:t>
+            </a:r>
+            <a:r>
+              <a:rPr lang="en-US" dirty="0" err="1"/>
+              <a:t>chown</a:t>
+            </a:r>
+            <a:r>
+              <a:rPr lang="en-US" dirty="0"/>
+              <a:t> root passwd” sets owner of file “passwd” to root.</a:t>
             </a:r>
           </a:p>
           <a:p>
@@ -17021,7 +17036,7 @@
             <a:pPr lvl="1"/>
             <a:r>
               <a:rPr lang="en-US" dirty="0"/>
-              <a:t>Command “</a:t>
+              <a:t>e.g., Command “</a:t>
             </a:r>
             <a:r>
               <a:rPr lang="en-US" dirty="0" err="1"/>
@@ -17029,29 +17044,13 @@
             </a:r>
             <a:r>
               <a:rPr lang="en-US" dirty="0"/>
-              <a:t> 640 file1” sets the permission bits of file1 to that shown in Fig. (a)</a:t>
-            </a:r>
-          </a:p>
-          <a:p>
-            <a:pPr lvl="2"/>
-            <a:r>
-              <a:rPr lang="en-US" dirty="0"/>
-              <a:t>Decimal number 640 is 110 100 000 in binary</a:t>
-            </a:r>
-          </a:p>
-          <a:p>
-            <a:pPr lvl="1"/>
-            <a:r>
-              <a:rPr lang="en-US" dirty="0"/>
-              <a:t>Command “</a:t>
-            </a:r>
-            <a:r>
-              <a:rPr lang="en-US" dirty="0" err="1"/>
-              <a:t>chown</a:t>
-            </a:r>
-            <a:r>
-              <a:rPr lang="en-US" dirty="0"/>
-              <a:t> root passwd” sets owner of file “passwd” to root.</a:t>
+              <a:t> 640 file1” sets the permissions to be readable and writable by owner, readable by group. (Decimal number 640 is 110 100 000 in binary)</a:t>
+            </a:r>
+          </a:p>
+          <a:p>
+            <a:r>
+              <a:rPr lang="en-US" dirty="0"/>
+              <a:t>The other 3 bits are Set-UID, Set-GID (used in Lab1) and Sticky bit (used in Lab2)</a:t>
             </a:r>
           </a:p>
           <a:p>
@@ -17099,32 +17098,49 @@
       </p:sp>
       <p:pic>
         <p:nvPicPr>
-          <p:cNvPr id="5" name="Picture 4">
+          <p:cNvPr id="2050" name="Picture 2" descr="Image">
             <a:extLst>
               <a:ext uri="{FF2B5EF4-FFF2-40B4-BE49-F238E27FC236}">
-                <a16:creationId xmlns:a16="http://schemas.microsoft.com/office/drawing/2014/main" id="{45586CEA-61DC-4410-94C6-7D6D90338A78}"/>
+                <a16:creationId xmlns:a16="http://schemas.microsoft.com/office/drawing/2014/main" id="{9401F122-D4F5-471A-9ADC-A3353E005964}"/>
               </a:ext>
             </a:extLst>
           </p:cNvPr>
           <p:cNvPicPr>
-            <a:picLocks noChangeAspect="1"/>
+            <a:picLocks noChangeAspect="1" noChangeArrowheads="1"/>
           </p:cNvPicPr>
           <p:nvPr/>
         </p:nvPicPr>
         <p:blipFill>
-          <a:blip r:embed="rId3"/>
+          <a:blip r:embed="rId3">
+            <a:extLst>
+              <a:ext uri="{28A0092B-C50C-407E-A947-70E740481C1C}">
+                <a14:useLocalDpi xmlns:a14="http://schemas.microsoft.com/office/drawing/2010/main" val="0"/>
+              </a:ext>
+            </a:extLst>
+          </a:blip>
+          <a:srcRect/>
           <a:stretch>
             <a:fillRect/>
           </a:stretch>
         </p:blipFill>
-        <p:spPr>
+        <p:spPr bwMode="auto">
           <a:xfrm>
-            <a:off x="4738381" y="4010512"/>
-            <a:ext cx="3722051" cy="2777409"/>
+            <a:off x="2411760" y="4052096"/>
+            <a:ext cx="5715000" cy="2771775"/>
           </a:xfrm>
           <a:prstGeom prst="rect">
             <a:avLst/>
           </a:prstGeom>
+          <a:noFill/>
+          <a:extLst>
+            <a:ext uri="{909E8E84-426E-40DD-AFC4-6F175D3DCCD1}">
+              <a14:hiddenFill xmlns:a14="http://schemas.microsoft.com/office/drawing/2010/main">
+                <a:solidFill>
+                  <a:srgbClr val="FFFFFF"/>
+                </a:solidFill>
+              </a14:hiddenFill>
+            </a:ext>
+          </a:extLst>
         </p:spPr>
       </p:pic>
     </p:spTree>

--- a/InfoSec/PPTs/L4-CH04-Access Control.pptx
+++ b/InfoSec/PPTs/L4-CH04-Access Control.pptx
@@ -1254,6 +1254,41 @@
             </a:r>
           </a:p>
           <a:p>
+            <a:pPr marL="0" marR="0" lvl="0" indent="0" algn="l" defTabSz="914400" rtl="0" eaLnBrk="1" fontAlgn="base" latinLnBrk="0" hangingPunct="1">
+              <a:lnSpc>
+                <a:spcPct val="100000"/>
+              </a:lnSpc>
+              <a:spcBef>
+                <a:spcPct val="30000"/>
+              </a:spcBef>
+              <a:spcAft>
+                <a:spcPct val="0"/>
+              </a:spcAft>
+              <a:buClrTx/>
+              <a:buSzTx/>
+              <a:buFontTx/>
+              <a:buNone/>
+              <a:tabLst/>
+              <a:defRPr/>
+            </a:pPr>
+            <a:r>
+              <a:rPr lang="en-US" altLang="zh-CN" sz="1200" dirty="0"/>
+              <a:t>; ownership can be changed with “</a:t>
+            </a:r>
+            <a:r>
+              <a:rPr lang="en-US" altLang="zh-CN" sz="1200" dirty="0" err="1"/>
+              <a:t>chown</a:t>
+            </a:r>
+            <a:r>
+              <a:rPr lang="en-US" altLang="zh-CN" sz="1200" dirty="0"/>
+              <a:t>” command</a:t>
+            </a:r>
+          </a:p>
+          <a:p>
+            <a:r>
+              <a:rPr lang="en-US" altLang="zh-CN" sz="1200" dirty="0"/>
+              <a:t>A named group of users may be granted access rights; </a:t>
+            </a:r>
             <a:endParaRPr lang="en-US" dirty="0"/>
           </a:p>
           <a:p>
@@ -3569,16 +3604,60 @@
           <a:bodyPr/>
           <a:lstStyle/>
           <a:p>
-            <a:r>
-              <a:rPr lang="en-US" sz="1200" b="0" i="0" u="none" strike="noStrike" kern="1200" baseline="0" dirty="0">
-                <a:solidFill>
-                  <a:schemeClr val="tx1"/>
-                </a:solidFill>
-                <a:latin typeface="Arial" pitchFamily="-110" charset="0"/>
-                <a:ea typeface="ＭＳ Ｐゴシック" pitchFamily="-110" charset="-128"/>
-                <a:cs typeface="ＭＳ Ｐゴシック" pitchFamily="-110" charset="-128"/>
-              </a:rPr>
-              <a:t> A relatively recent development in access control technology is the attribute-based</a:t>
+            <a:pPr marL="0" marR="0" lvl="0" indent="0" algn="l" defTabSz="914400" rtl="0" eaLnBrk="1" fontAlgn="base" latinLnBrk="0" hangingPunct="1">
+              <a:lnSpc>
+                <a:spcPct val="100000"/>
+              </a:lnSpc>
+              <a:spcBef>
+                <a:spcPct val="30000"/>
+              </a:spcBef>
+              <a:spcAft>
+                <a:spcPct val="0"/>
+              </a:spcAft>
+              <a:buClrTx/>
+              <a:buSzTx/>
+              <a:buFontTx/>
+              <a:buNone/>
+              <a:tabLst/>
+              <a:defRPr/>
+            </a:pPr>
+            <a:r>
+              <a:rPr lang="en-US" dirty="0"/>
+              <a:t>Web services have been pioneering technologies through the introduction of the </a:t>
+            </a:r>
+            <a:r>
+              <a:rPr lang="en-US" dirty="0" err="1"/>
+              <a:t>eXtensible</a:t>
+            </a:r>
+            <a:r>
+              <a:rPr lang="en-US" dirty="0"/>
+              <a:t> Access Control Markup Language (XAMCL)</a:t>
+            </a:r>
+          </a:p>
+          <a:p>
+            <a:r>
+              <a:rPr lang="en-US" sz="1200" b="0" i="0" u="none" strike="noStrike" kern="1200" baseline="0" dirty="0">
+                <a:solidFill>
+                  <a:schemeClr val="tx1"/>
+                </a:solidFill>
+                <a:latin typeface="Arial" pitchFamily="-110" charset="0"/>
+                <a:ea typeface="ＭＳ Ｐゴシック" pitchFamily="-110" charset="-128"/>
+                <a:cs typeface="ＭＳ Ｐゴシック" pitchFamily="-110" charset="-128"/>
+              </a:rPr>
+              <a:t> </a:t>
+            </a:r>
+          </a:p>
+          <a:p>
+            <a:r>
+              <a:rPr lang="en-US" sz="1200" b="0" i="0" u="none" strike="noStrike" kern="1200" baseline="0" dirty="0">
+                <a:solidFill>
+                  <a:schemeClr val="tx1"/>
+                </a:solidFill>
+                <a:latin typeface="Arial" pitchFamily="-110" charset="0"/>
+                <a:ea typeface="ＭＳ Ｐゴシック" pitchFamily="-110" charset="-128"/>
+                <a:cs typeface="ＭＳ Ｐゴシック" pitchFamily="-110" charset="-128"/>
+              </a:rPr>
+              <a:t>A relatively recent development in access control technology is the attribute-based</a:t>
             </a:r>
           </a:p>
           <a:p>
@@ -3962,6 +4041,39 @@
           <a:bodyPr/>
           <a:lstStyle/>
           <a:p>
+            <a:pPr marL="0" marR="0" lvl="0" indent="0" algn="l" defTabSz="914400" rtl="0" eaLnBrk="1" fontAlgn="base" latinLnBrk="0" hangingPunct="1">
+              <a:lnSpc>
+                <a:spcPct val="100000"/>
+              </a:lnSpc>
+              <a:spcBef>
+                <a:spcPct val="30000"/>
+              </a:spcBef>
+              <a:spcAft>
+                <a:spcPct val="0"/>
+              </a:spcAft>
+              <a:buClrTx/>
+              <a:buSzTx/>
+              <a:buFontTx/>
+              <a:buNone/>
+              <a:tabLst/>
+              <a:defRPr/>
+            </a:pPr>
+            <a:r>
+              <a:rPr lang="en-US" dirty="0"/>
+              <a:t>A subject is an active entity that causes information to flow among objects or changes the system state</a:t>
+            </a:r>
+          </a:p>
+          <a:p>
+            <a:endParaRPr lang="en-US" sz="1200" b="0" i="0" u="none" strike="noStrike" kern="1200" baseline="0" dirty="0">
+              <a:solidFill>
+                <a:schemeClr val="tx1"/>
+              </a:solidFill>
+              <a:latin typeface="Arial" pitchFamily="-110" charset="0"/>
+              <a:ea typeface="ＭＳ Ｐゴシック" pitchFamily="-110" charset="-128"/>
+              <a:cs typeface="ＭＳ Ｐゴシック" pitchFamily="-110" charset="-128"/>
+            </a:endParaRPr>
+          </a:p>
+          <a:p>
             <a:r>
               <a:rPr lang="en-US" sz="1200" b="0" i="0" u="none" strike="noStrike" kern="1200" baseline="0" dirty="0">
                 <a:solidFill>
@@ -7218,10 +7330,68 @@
           <a:bodyPr/>
           <a:lstStyle/>
           <a:p>
+            <a:pPr lvl="1"/>
+            <a:r>
+              <a:rPr lang="en-US" dirty="0"/>
+              <a:t>A subject is an active entity that causes information to flow among objects or changes the system state</a:t>
+            </a:r>
+          </a:p>
+          <a:p>
+            <a:pPr lvl="1"/>
+            <a:r>
+              <a:rPr lang="en-US" dirty="0"/>
+              <a:t>Attributes define identity and characteristics of the subject</a:t>
+            </a:r>
+          </a:p>
+          <a:p>
+            <a:r>
+              <a:rPr lang="en-US" dirty="0"/>
+              <a:t>Object attributes</a:t>
+            </a:r>
+          </a:p>
+          <a:p>
+            <a:pPr lvl="1"/>
+            <a:r>
+              <a:rPr lang="en-US" dirty="0"/>
+              <a:t>An object (resource) is a passive entity containing or receiving information</a:t>
+            </a:r>
+          </a:p>
+          <a:p>
+            <a:pPr eaLnBrk="1" hangingPunct="1"/>
+            <a:endParaRPr lang="en-US" b="0" dirty="0"/>
+          </a:p>
+          <a:p>
+            <a:pPr eaLnBrk="1" hangingPunct="1"/>
+            <a:endParaRPr lang="en-US" b="0" dirty="0"/>
+          </a:p>
+          <a:p>
             <a:pPr eaLnBrk="1" hangingPunct="1"/>
             <a:r>
               <a:rPr lang="en-US" b="0" dirty="0"/>
               <a:t>The basic elements of access control are: subject, object, and access right.</a:t>
+            </a:r>
+          </a:p>
+          <a:p>
+            <a:pPr marL="0" marR="0" lvl="0" indent="0" algn="l" defTabSz="914400" rtl="0" eaLnBrk="1" fontAlgn="base" latinLnBrk="0" hangingPunct="1">
+              <a:lnSpc>
+                <a:spcPct val="100000"/>
+              </a:lnSpc>
+              <a:spcBef>
+                <a:spcPct val="30000"/>
+              </a:spcBef>
+              <a:spcAft>
+                <a:spcPct val="0"/>
+              </a:spcAft>
+              <a:buClrTx/>
+              <a:buSzTx/>
+              <a:buFontTx/>
+              <a:buNone/>
+              <a:tabLst/>
+              <a:defRPr/>
+            </a:pPr>
+            <a:r>
+              <a:rPr lang="en-US" dirty="0"/>
+              <a:t>Entity used to contain and/or receive information</a:t>
             </a:r>
           </a:p>
           <a:p>
@@ -12577,7 +12747,7 @@
           <a:graphicData uri="http://schemas.openxmlformats.org/presentationml/2006/ole">
             <mc:AlternateContent xmlns:mc="http://schemas.openxmlformats.org/markup-compatibility/2006">
               <mc:Choice xmlns:v="urn:schemas-microsoft-com:vml" Requires="v">
-                <p:oleObj spid="_x0000_s1044" name="Document" r:id="rId4" imgW="6083076" imgH="4990916" progId="Word.Document.12">
+                <p:oleObj spid="_x0000_s1046" name="Document" r:id="rId4" imgW="6083076" imgH="4990916" progId="Word.Document.12">
                   <p:embed/>
                 </p:oleObj>
               </mc:Choice>
@@ -13578,52 +13748,39 @@
             <a:pPr fontAlgn="base"/>
             <a:r>
               <a:rPr lang="en-US" altLang="zh-CN" sz="2800" dirty="0"/>
-              <a:t>Each file has 3 permission types: read, write, execute, denoted as </a:t>
-            </a:r>
-            <a:r>
-              <a:rPr lang="en-US" altLang="zh-CN" sz="2800" dirty="0" err="1"/>
-              <a:t>r,w,x</a:t>
-            </a:r>
-            <a:r>
-              <a:rPr lang="en-US" altLang="zh-CN" sz="2800" dirty="0"/>
-              <a:t>, respectively</a:t>
-            </a:r>
-          </a:p>
-          <a:p>
-            <a:pPr fontAlgn="base"/>
-            <a:r>
-              <a:rPr lang="en-US" altLang="zh-CN" sz="2800" dirty="0"/>
               <a:t>For a given file, there are 3 classes of subjects, with different access rights for each class:</a:t>
             </a:r>
           </a:p>
           <a:p>
             <a:pPr lvl="1" fontAlgn="base"/>
             <a:r>
-              <a:rPr lang="en-US" altLang="zh-CN" sz="1800" dirty="0"/>
-              <a:t>Owner: This may be the creator of the resource; ownership can be changed with “</a:t>
-            </a:r>
-            <a:r>
-              <a:rPr lang="en-US" altLang="zh-CN" sz="1800" dirty="0" err="1"/>
-              <a:t>chown</a:t>
-            </a:r>
-            <a:r>
-              <a:rPr lang="en-US" altLang="zh-CN" sz="1800" dirty="0"/>
-              <a:t>” command</a:t>
+              <a:rPr lang="en-US" altLang="zh-CN" sz="2400" dirty="0"/>
+              <a:t>Owner: the file’s owner</a:t>
             </a:r>
           </a:p>
           <a:p>
             <a:pPr lvl="1" fontAlgn="base"/>
             <a:r>
-              <a:rPr lang="en-US" altLang="zh-CN" sz="1800" dirty="0"/>
-              <a:t>Group: A named group of users may be granted access rights; a user may belong to multiple groups</a:t>
+              <a:rPr lang="en-US" altLang="zh-CN" sz="2400" dirty="0"/>
+              <a:t>Group: a user may belong to multiple groups</a:t>
             </a:r>
           </a:p>
           <a:p>
             <a:pPr lvl="1" fontAlgn="base"/>
             <a:r>
-              <a:rPr lang="en-US" altLang="zh-CN" sz="1800" dirty="0"/>
-              <a:t>Other: All other users who are neither the owner,  nor members of any group relevant to the resource</a:t>
-            </a:r>
+              <a:rPr lang="en-US" altLang="zh-CN" sz="2400" dirty="0"/>
+              <a:t>Other: all other users, who are neither the owner,  nor members of any group relevant to the file</a:t>
+            </a:r>
+          </a:p>
+          <a:p>
+            <a:pPr lvl="1"/>
+            <a:r>
+              <a:rPr lang="en-US" altLang="zh-CN" sz="2400" dirty="0"/>
+              <a:t>Each class of subjects has 3 types of permission: read (r), write (w), execute (x)</a:t>
+            </a:r>
+          </a:p>
+          <a:p>
+            <a:endParaRPr lang="en-US" altLang="zh-CN" sz="2800" dirty="0"/>
           </a:p>
         </p:txBody>
       </p:sp>
@@ -13775,7 +13932,7 @@
         <p:spPr>
           <a:xfrm>
             <a:off x="323528" y="919166"/>
-            <a:ext cx="8568952" cy="3445938"/>
+            <a:ext cx="8568952" cy="3661962"/>
           </a:xfrm>
         </p:spPr>
         <p:txBody>
@@ -13786,22 +13943,20 @@
           <a:p>
             <a:r>
               <a:rPr lang="en-US" dirty="0"/>
-              <a:t>Each UNIX user is assigned a unique user ID (root has ID 0). A user is also a member of a primary group, and possibly a </a:t>
-            </a:r>
-            <a:r>
-              <a:rPr lang="en-US" dirty="0" err="1"/>
-              <a:t>mumber</a:t>
-            </a:r>
-            <a:r>
-              <a:rPr lang="en-US" dirty="0"/>
-              <a:t> of other groups, each identified by a group ID. When a file is created, its owner is user ID of its creator, and its group ID is its creator’s primary group, but they can be changed later. </a:t>
+              <a:t>Each UNIX user is assigned a unique user ID (root has ID 0). A user is also a member of a primary group, and possibly a member of other groups, each identified by a group ID. </a:t>
+            </a:r>
+          </a:p>
+          <a:p>
+            <a:r>
+              <a:rPr lang="en-US" dirty="0"/>
+              <a:t>When a file is created, its owner is user ID of its creator, and its group ID is its creator’s primary group, but they can be changed later. </a:t>
             </a:r>
           </a:p>
           <a:p>
             <a:pPr lvl="1"/>
             <a:r>
               <a:rPr lang="en-US" dirty="0"/>
-              <a:t>e.g., Command “</a:t>
+              <a:t>e.g., command “</a:t>
             </a:r>
             <a:r>
               <a:rPr lang="en-US" dirty="0" err="1"/>
@@ -13822,7 +13977,7 @@
             <a:pPr lvl="1"/>
             <a:r>
               <a:rPr lang="en-US" dirty="0"/>
-              <a:t>e.g., Command “</a:t>
+              <a:t>e.g., command “</a:t>
             </a:r>
             <a:r>
               <a:rPr lang="en-US" dirty="0" err="1"/>
@@ -13830,7 +13985,7 @@
             </a:r>
             <a:r>
               <a:rPr lang="en-US" dirty="0"/>
-              <a:t> 640 file1” sets the permissions to be readable and writable by owner, readable by group. (Decimal number 640 is 110 100 000 in binary)</a:t>
+              <a:t> 640 file1” sets file1’s permissions to be readable and writable by owner, readable by group. (Decimal number 640 is 110 100 000 in binary)</a:t>
             </a:r>
           </a:p>
           <a:p>
@@ -17075,7 +17230,7 @@
         <p:spPr/>
         <p:txBody>
           <a:bodyPr>
-            <a:normAutofit fontScale="77500" lnSpcReduction="20000"/>
+            <a:normAutofit fontScale="92500" lnSpcReduction="20000"/>
           </a:bodyPr>
           <a:lstStyle/>
           <a:p>
@@ -17103,22 +17258,7 @@
             <a:pPr lvl="0"/>
             <a:r>
               <a:rPr lang="en-US" dirty="0"/>
-              <a:t>Web services have been pioneering technologies through the introduction of the </a:t>
-            </a:r>
-            <a:r>
-              <a:rPr lang="en-US" dirty="0" err="1"/>
-              <a:t>eXtensible</a:t>
-            </a:r>
-            <a:r>
-              <a:rPr lang="en-US" dirty="0"/>
-              <a:t> Access Control Markup Language (XAMCL)</a:t>
-            </a:r>
-          </a:p>
-          <a:p>
-            <a:pPr lvl="0"/>
-            <a:r>
-              <a:rPr lang="en-US" dirty="0"/>
-              <a:t>There is considerable interest in applying the model to cloud services</a:t>
+              <a:t>There is considerable interest in applying the model to web services. </a:t>
             </a:r>
           </a:p>
           <a:p>
@@ -17205,7 +17345,7 @@
         <p:spPr/>
         <p:txBody>
           <a:bodyPr>
-            <a:normAutofit fontScale="70000" lnSpcReduction="20000"/>
+            <a:normAutofit fontScale="85000" lnSpcReduction="10000"/>
           </a:bodyPr>
           <a:lstStyle/>
           <a:p>
@@ -17218,54 +17358,48 @@
             <a:pPr lvl="1"/>
             <a:r>
               <a:rPr lang="en-US" dirty="0"/>
-              <a:t>A subject is an active entity that causes information to flow among objects or changes the system state</a:t>
+              <a:t>Define identity and characteristics of the subject</a:t>
+            </a:r>
+          </a:p>
+          <a:p>
+            <a:r>
+              <a:rPr lang="en-US" dirty="0"/>
+              <a:t>Object attributes</a:t>
             </a:r>
           </a:p>
           <a:p>
             <a:pPr lvl="1"/>
             <a:r>
               <a:rPr lang="en-US" dirty="0"/>
-              <a:t>Attributes define identity and characteristics of the subject</a:t>
-            </a:r>
-          </a:p>
-          <a:p>
-            <a:r>
-              <a:rPr lang="en-US" dirty="0"/>
-              <a:t>Object attributes</a:t>
+              <a:t>Define identity and characteristics of the object</a:t>
+            </a:r>
+          </a:p>
+          <a:p>
+            <a:r>
+              <a:rPr lang="en-US" dirty="0"/>
+              <a:t>Environment attributes</a:t>
             </a:r>
           </a:p>
           <a:p>
             <a:pPr lvl="1"/>
             <a:r>
               <a:rPr lang="en-US" dirty="0"/>
-              <a:t>An object (resource) is a passive entity containing or receiving information</a:t>
+              <a:t>Describe the operational, technical, and situational environment or context in which the information access occurs</a:t>
             </a:r>
           </a:p>
           <a:p>
             <a:pPr lvl="1"/>
             <a:r>
               <a:rPr lang="en-US" dirty="0"/>
-              <a:t>Attributes define identity and characteristics of the object</a:t>
-            </a:r>
-          </a:p>
-          <a:p>
-            <a:r>
-              <a:rPr lang="en-US" dirty="0"/>
-              <a:t>Environment attributes</a:t>
-            </a:r>
-          </a:p>
-          <a:p>
-            <a:pPr lvl="1"/>
-            <a:r>
-              <a:rPr lang="en-US" dirty="0"/>
-              <a:t>Describe the operational, technical, and situational environment or context in which the information access occurs</a:t>
-            </a:r>
-          </a:p>
-          <a:p>
-            <a:pPr lvl="1"/>
-            <a:r>
-              <a:rPr lang="en-US" dirty="0"/>
-              <a:t>e.g., A stock brokerage system may specify that transactions are permitted only during workdays 9am–5pm, so time is part of env attributes</a:t>
+              <a:t>e.g</a:t>
+            </a:r>
+            <a:r>
+              <a:rPr lang="en-US"/>
+              <a:t>., a </a:t>
+            </a:r>
+            <a:r>
+              <a:rPr lang="en-US" dirty="0"/>
+              <a:t>stock brokerage system may specify that transactions are permitted only during workdays 9am–5pm, so time is part of env attributes</a:t>
             </a:r>
           </a:p>
           <a:p>
@@ -19482,7 +19616,7 @@
         <p:spPr/>
         <p:txBody>
           <a:bodyPr>
-            <a:normAutofit fontScale="85000" lnSpcReduction="10000"/>
+            <a:normAutofit lnSpcReduction="10000"/>
           </a:bodyPr>
           <a:lstStyle/>
           <a:p>
@@ -19495,34 +19629,20 @@
             <a:pPr lvl="1"/>
             <a:r>
               <a:rPr lang="en-US" dirty="0"/>
-              <a:t>An entity capable of accessing objects</a:t>
+              <a:t>An active entity capable of accessing objects</a:t>
+            </a:r>
+          </a:p>
+          <a:p>
+            <a:r>
+              <a:rPr lang="en-US" dirty="0"/>
+              <a:t>Object</a:t>
             </a:r>
           </a:p>
           <a:p>
             <a:pPr lvl="1"/>
             <a:r>
               <a:rPr lang="en-US" dirty="0"/>
-              <a:t>Three classes: Owner, Group, World </a:t>
-            </a:r>
-          </a:p>
-          <a:p>
-            <a:r>
-              <a:rPr lang="en-US" dirty="0"/>
-              <a:t>Object</a:t>
-            </a:r>
-          </a:p>
-          <a:p>
-            <a:pPr lvl="1"/>
-            <a:r>
-              <a:rPr lang="en-US" dirty="0"/>
               <a:t>A resource to which access is controlled</a:t>
-            </a:r>
-          </a:p>
-          <a:p>
-            <a:pPr lvl="1"/>
-            <a:r>
-              <a:rPr lang="en-US" dirty="0"/>
-              <a:t>Entity used to contain and/or receive information</a:t>
             </a:r>
           </a:p>
           <a:p>

--- a/InfoSec/PPTs/L4-CH04-Access Control.pptx
+++ b/InfoSec/PPTs/L4-CH04-Access Control.pptx
@@ -347,7 +347,7 @@
             <a:fld id="{999DDEF9-8F79-3F4A-8C1A-CB2E900DCD92}" type="datetimeFigureOut">
               <a:rPr lang="en-US" smtClean="0"/>
               <a:pPr/>
-              <a:t>4/30/2020</a:t>
+              <a:t>5/4/2021</a:t>
             </a:fld>
             <a:endParaRPr lang="en-US"/>
           </a:p>
@@ -12432,7 +12432,15 @@
           <a:p>
             <a:r>
               <a:rPr lang="en-US" dirty="0"/>
-              <a:t>ZJU 2020</a:t>
+              <a:t>ZJU </a:t>
+            </a:r>
+            <a:r>
+              <a:rPr lang="en-US" dirty="0" smtClean="0"/>
+              <a:t>202</a:t>
+            </a:r>
+            <a:r>
+              <a:rPr lang="en-SE" smtClean="0"/>
+              <a:t>1</a:t>
             </a:r>
             <a:endParaRPr lang="en-SE" dirty="0"/>
           </a:p>
@@ -12747,7 +12755,7 @@
           <a:graphicData uri="http://schemas.openxmlformats.org/presentationml/2006/ole">
             <mc:AlternateContent xmlns:mc="http://schemas.openxmlformats.org/markup-compatibility/2006">
               <mc:Choice xmlns:v="urn:schemas-microsoft-com:vml" Requires="v">
-                <p:oleObj spid="_x0000_s1046" name="Document" r:id="rId4" imgW="6083076" imgH="4990916" progId="Word.Document.12">
+                <p:oleObj spid="_x0000_s1047" name="Document" r:id="rId4" imgW="6083076" imgH="4990916" progId="Word.Document.12">
                   <p:embed/>
                 </p:oleObj>
               </mc:Choice>

--- a/InfoSec/PPTs/L4-CH04-Access Control.pptx
+++ b/InfoSec/PPTs/L4-CH04-Access Control.pptx
@@ -347,7 +347,7 @@
             <a:fld id="{999DDEF9-8F79-3F4A-8C1A-CB2E900DCD92}" type="datetimeFigureOut">
               <a:rPr lang="en-US" smtClean="0"/>
               <a:pPr/>
-              <a:t>4/30/2020</a:t>
+              <a:t>5/4/2021</a:t>
             </a:fld>
             <a:endParaRPr lang="en-US"/>
           </a:p>
@@ -12431,8 +12431,8 @@
           <a:lstStyle/>
           <a:p>
             <a:r>
-              <a:rPr lang="en-US" dirty="0"/>
-              <a:t>ZJU 2020</a:t>
+              <a:rPr lang="en-US"/>
+              <a:t>ZJU 2021</a:t>
             </a:r>
             <a:endParaRPr lang="en-SE" dirty="0"/>
           </a:p>
@@ -12747,12 +12747,12 @@
           <a:graphicData uri="http://schemas.openxmlformats.org/presentationml/2006/ole">
             <mc:AlternateContent xmlns:mc="http://schemas.openxmlformats.org/markup-compatibility/2006">
               <mc:Choice xmlns:v="urn:schemas-microsoft-com:vml" Requires="v">
-                <p:oleObj spid="_x0000_s1046" name="Document" r:id="rId4" imgW="6083076" imgH="4990916" progId="Word.Document.12">
+                <p:oleObj name="Document" r:id="rId3" imgW="6083076" imgH="4990916" progId="Word.Document.12">
                   <p:embed/>
                 </p:oleObj>
               </mc:Choice>
               <mc:Fallback>
-                <p:oleObj name="Document" r:id="rId4" imgW="6083076" imgH="4990916" progId="Word.Document.12">
+                <p:oleObj name="Document" r:id="rId3" imgW="6083076" imgH="4990916" progId="Word.Document.12">
                   <p:embed/>
                   <p:pic>
                     <p:nvPicPr>
@@ -12763,7 +12763,7 @@
                       <p:nvPr/>
                     </p:nvPicPr>
                     <p:blipFill>
-                      <a:blip r:embed="rId5">
+                      <a:blip r:embed="rId4">
                         <a:extLst>
                           <a:ext uri="{28A0092B-C50C-407E-A947-70E740481C1C}">
                             <a14:useLocalDpi xmlns:a14="http://schemas.microsoft.com/office/drawing/2010/main" val="0"/>

--- a/InfoSec/PPTs/L4-CH04-Access Control.pptx
+++ b/InfoSec/PPTs/L4-CH04-Access Control.pptx
@@ -347,7 +347,7 @@
             <a:fld id="{999DDEF9-8F79-3F4A-8C1A-CB2E900DCD92}" type="datetimeFigureOut">
               <a:rPr lang="en-US" smtClean="0"/>
               <a:pPr/>
-              <a:t>5/4/2021</a:t>
+              <a:t>3/24/2022</a:t>
             </a:fld>
             <a:endParaRPr lang="en-US"/>
           </a:p>
@@ -12431,10 +12431,17 @@
           <a:lstStyle/>
           <a:p>
             <a:r>
-              <a:rPr lang="en-US"/>
-              <a:t>ZJU 2021</a:t>
-            </a:r>
-            <a:endParaRPr lang="en-SE" dirty="0"/>
+              <a:rPr lang="en-US" altLang="zh-CN" kern="0" dirty="0"/>
+              <a:t>Zonghua Gu</a:t>
+            </a:r>
+            <a:endParaRPr lang="en-US" kern="0" dirty="0"/>
+          </a:p>
+          <a:p>
+            <a:r>
+              <a:rPr lang="en-US" kern="0"/>
+              <a:t>2018, ZJU</a:t>
+            </a:r>
+            <a:endParaRPr lang="en-SE" kern="0" dirty="0"/>
           </a:p>
         </p:txBody>
       </p:sp>
@@ -12747,12 +12754,12 @@
           <a:graphicData uri="http://schemas.openxmlformats.org/presentationml/2006/ole">
             <mc:AlternateContent xmlns:mc="http://schemas.openxmlformats.org/markup-compatibility/2006">
               <mc:Choice xmlns:v="urn:schemas-microsoft-com:vml" Requires="v">
-                <p:oleObj name="Document" r:id="rId3" imgW="6083076" imgH="4990916" progId="Word.Document.12">
+                <p:oleObj spid="_x0000_s1026" name="Document" r:id="rId4" imgW="6083076" imgH="4990916" progId="Word.Document.12">
                   <p:embed/>
                 </p:oleObj>
               </mc:Choice>
               <mc:Fallback>
-                <p:oleObj name="Document" r:id="rId3" imgW="6083076" imgH="4990916" progId="Word.Document.12">
+                <p:oleObj name="Document" r:id="rId4" imgW="6083076" imgH="4990916" progId="Word.Document.12">
                   <p:embed/>
                   <p:pic>
                     <p:nvPicPr>
@@ -12763,7 +12770,7 @@
                       <p:nvPr/>
                     </p:nvPicPr>
                     <p:blipFill>
-                      <a:blip r:embed="rId4">
+                      <a:blip r:embed="rId5">
                         <a:extLst>
                           <a:ext uri="{28A0092B-C50C-407E-A947-70E740481C1C}">
                             <a14:useLocalDpi xmlns:a14="http://schemas.microsoft.com/office/drawing/2010/main" val="0"/>

--- a/InfoSec/PPTs/L4-CH04-Access Control.pptx
+++ b/InfoSec/PPTs/L4-CH04-Access Control.pptx
@@ -347,7 +347,7 @@
             <a:fld id="{999DDEF9-8F79-3F4A-8C1A-CB2E900DCD92}" type="datetimeFigureOut">
               <a:rPr lang="en-US" smtClean="0"/>
               <a:pPr/>
-              <a:t>3/24/2022</a:t>
+              <a:t>3/27/2022</a:t>
             </a:fld>
             <a:endParaRPr lang="en-US"/>
           </a:p>
@@ -12439,7 +12439,7 @@
           <a:p>
             <a:r>
               <a:rPr lang="en-US" kern="0"/>
-              <a:t>2018, ZJU</a:t>
+              <a:t>2017, ZJU</a:t>
             </a:r>
             <a:endParaRPr lang="en-SE" kern="0" dirty="0"/>
           </a:p>
@@ -12754,7 +12754,7 @@
           <a:graphicData uri="http://schemas.openxmlformats.org/presentationml/2006/ole">
             <mc:AlternateContent xmlns:mc="http://schemas.openxmlformats.org/markup-compatibility/2006">
               <mc:Choice xmlns:v="urn:schemas-microsoft-com:vml" Requires="v">
-                <p:oleObj spid="_x0000_s1026" name="Document" r:id="rId4" imgW="6083076" imgH="4990916" progId="Word.Document.12">
+                <p:oleObj spid="_x0000_s1027" name="Document" r:id="rId4" imgW="6083076" imgH="4990916" progId="Word.Document.12">
                   <p:embed/>
                 </p:oleObj>
               </mc:Choice>
